--- a/mkdocs/docs/images/src/darklaunchbuiltin.pptx
+++ b/mkdocs/docs/images/src/darklaunchbuiltin.pptx
@@ -197,7 +197,7 @@
           <a:p>
             <a:fld id="{38B78CBE-37FA-D241-BB4C-CAC5D3B25F49}" type="datetimeFigureOut">
               <a:rPr lang="en-US" smtClean="0"/>
-              <a:t>6/15/21</a:t>
+              <a:t>6/16/21</a:t>
             </a:fld>
             <a:endParaRPr lang="en-US"/>
           </a:p>
@@ -611,7 +611,7 @@
           <a:p>
             <a:fld id="{708812C5-0212-FD42-A0D4-E2E8FF4E3AF5}" type="datetime1">
               <a:rPr lang="en-US" smtClean="0"/>
-              <a:t>6/15/21</a:t>
+              <a:t>6/16/21</a:t>
             </a:fld>
             <a:endParaRPr lang="en-US"/>
           </a:p>
@@ -812,7 +812,7 @@
           <a:p>
             <a:fld id="{D232AC6F-41C3-B34B-9BAA-03ED2F3BC0F6}" type="datetime1">
               <a:rPr lang="en-US" smtClean="0"/>
-              <a:t>6/15/21</a:t>
+              <a:t>6/16/21</a:t>
             </a:fld>
             <a:endParaRPr lang="en-US"/>
           </a:p>
@@ -1023,7 +1023,7 @@
           <a:p>
             <a:fld id="{BEE140C2-F440-9D49-95CB-5965D64CC4A2}" type="datetime1">
               <a:rPr lang="en-US" smtClean="0"/>
-              <a:t>6/15/21</a:t>
+              <a:t>6/16/21</a:t>
             </a:fld>
             <a:endParaRPr lang="en-US"/>
           </a:p>
@@ -1224,7 +1224,7 @@
           <a:p>
             <a:fld id="{CC99F980-FB29-FD47-8508-150F73F1E8B0}" type="datetime1">
               <a:rPr lang="en-US" smtClean="0"/>
-              <a:t>6/15/21</a:t>
+              <a:t>6/16/21</a:t>
             </a:fld>
             <a:endParaRPr lang="en-US"/>
           </a:p>
@@ -1502,7 +1502,7 @@
           <a:p>
             <a:fld id="{D4510983-EA22-9643-8AC0-B3C6499B643B}" type="datetime1">
               <a:rPr lang="en-US" smtClean="0"/>
-              <a:t>6/15/21</a:t>
+              <a:t>6/16/21</a:t>
             </a:fld>
             <a:endParaRPr lang="en-US"/>
           </a:p>
@@ -1770,7 +1770,7 @@
           <a:p>
             <a:fld id="{D5A39195-967D-5D4E-8C6A-C99866996458}" type="datetime1">
               <a:rPr lang="en-US" smtClean="0"/>
-              <a:t>6/15/21</a:t>
+              <a:t>6/16/21</a:t>
             </a:fld>
             <a:endParaRPr lang="en-US"/>
           </a:p>
@@ -2185,7 +2185,7 @@
           <a:p>
             <a:fld id="{5AD771E9-C79D-684D-A158-5EB6E92DE947}" type="datetime1">
               <a:rPr lang="en-US" smtClean="0"/>
-              <a:t>6/15/21</a:t>
+              <a:t>6/16/21</a:t>
             </a:fld>
             <a:endParaRPr lang="en-US"/>
           </a:p>
@@ -2329,7 +2329,7 @@
           <a:p>
             <a:fld id="{693CA161-7E4C-5C4B-B799-DB602A0B9806}" type="datetime1">
               <a:rPr lang="en-US" smtClean="0"/>
-              <a:t>6/15/21</a:t>
+              <a:t>6/16/21</a:t>
             </a:fld>
             <a:endParaRPr lang="en-US"/>
           </a:p>
@@ -2445,7 +2445,7 @@
           <a:p>
             <a:fld id="{6D55FDF3-8BB2-6349-A5FA-057F3D78953D}" type="datetime1">
               <a:rPr lang="en-US" smtClean="0"/>
-              <a:t>6/15/21</a:t>
+              <a:t>6/16/21</a:t>
             </a:fld>
             <a:endParaRPr lang="en-US"/>
           </a:p>
@@ -2759,7 +2759,7 @@
           <a:p>
             <a:fld id="{EEDFACC0-3228-BA4B-942E-CEF38B0101FD}" type="datetime1">
               <a:rPr lang="en-US" smtClean="0"/>
-              <a:t>6/15/21</a:t>
+              <a:t>6/16/21</a:t>
             </a:fld>
             <a:endParaRPr lang="en-US"/>
           </a:p>
@@ -3050,7 +3050,7 @@
           <a:p>
             <a:fld id="{07EEEDBE-E24C-D140-B419-6D8D592D0F1C}" type="datetime1">
               <a:rPr lang="en-US" smtClean="0"/>
-              <a:t>6/15/21</a:t>
+              <a:t>6/16/21</a:t>
             </a:fld>
             <a:endParaRPr lang="en-US"/>
           </a:p>
@@ -3294,7 +3294,7 @@
           <a:p>
             <a:fld id="{E05781A2-A5EF-C54C-A3EF-F62483D37EDC}" type="datetime1">
               <a:rPr lang="en-US" smtClean="0"/>
-              <a:t>6/15/21</a:t>
+              <a:t>6/16/21</a:t>
             </a:fld>
             <a:endParaRPr lang="en-US"/>
           </a:p>
@@ -3729,8 +3729,8 @@
         </p:nvSpPr>
         <p:spPr>
           <a:xfrm>
-            <a:off x="0" y="1389527"/>
-            <a:ext cx="12191999" cy="4518745"/>
+            <a:off x="162689" y="1389527"/>
+            <a:ext cx="11866622" cy="4518745"/>
           </a:xfrm>
           <a:prstGeom prst="rect">
             <a:avLst/>
@@ -5475,8 +5475,8 @@
         </p:nvSpPr>
         <p:spPr>
           <a:xfrm>
-            <a:off x="3273125" y="4895800"/>
-            <a:ext cx="1135439" cy="369332"/>
+            <a:off x="3556904" y="4895800"/>
+            <a:ext cx="622286" cy="369332"/>
           </a:xfrm>
           <a:prstGeom prst="rect">
             <a:avLst/>
@@ -5491,7 +5491,7 @@
           <a:p>
             <a:r>
               <a:rPr lang="en-US" dirty="0"/>
-              <a:t>Candidate</a:t>
+              <a:t>Dark</a:t>
             </a:r>
           </a:p>
         </p:txBody>
@@ -5510,8 +5510,8 @@
         </p:nvSpPr>
         <p:spPr>
           <a:xfrm>
-            <a:off x="5792043" y="4892977"/>
-            <a:ext cx="1135439" cy="369332"/>
+            <a:off x="6075822" y="4892977"/>
+            <a:ext cx="622286" cy="369332"/>
           </a:xfrm>
           <a:prstGeom prst="rect">
             <a:avLst/>
@@ -5526,7 +5526,7 @@
           <a:p>
             <a:r>
               <a:rPr lang="en-US" dirty="0"/>
-              <a:t>Candidate</a:t>
+              <a:t>Dark</a:t>
             </a:r>
           </a:p>
         </p:txBody>
@@ -5545,8 +5545,8 @@
         </p:nvSpPr>
         <p:spPr>
           <a:xfrm>
-            <a:off x="8176680" y="4892977"/>
-            <a:ext cx="1135439" cy="369332"/>
+            <a:off x="8460459" y="4892977"/>
+            <a:ext cx="622286" cy="369332"/>
           </a:xfrm>
           <a:prstGeom prst="rect">
             <a:avLst/>
@@ -5561,7 +5561,7 @@
           <a:p>
             <a:r>
               <a:rPr lang="en-US" dirty="0"/>
-              <a:t>Candidate</a:t>
+              <a:t>Dark</a:t>
             </a:r>
           </a:p>
         </p:txBody>
@@ -5580,8 +5580,8 @@
         </p:nvSpPr>
         <p:spPr>
           <a:xfrm>
-            <a:off x="3356577" y="1466858"/>
-            <a:ext cx="968535" cy="369332"/>
+            <a:off x="3811851" y="1457431"/>
+            <a:ext cx="552715" cy="369332"/>
           </a:xfrm>
           <a:prstGeom prst="rect">
             <a:avLst/>
@@ -5596,77 +5596,7 @@
           <a:p>
             <a:r>
               <a:rPr lang="en-US" dirty="0"/>
-              <a:t>Baseline</a:t>
-            </a:r>
-          </a:p>
-        </p:txBody>
-      </p:sp>
-      <p:sp>
-        <p:nvSpPr>
-          <p:cNvPr id="98" name="TextBox 97">
-            <a:extLst>
-              <a:ext uri="{FF2B5EF4-FFF2-40B4-BE49-F238E27FC236}">
-                <a16:creationId xmlns:a16="http://schemas.microsoft.com/office/drawing/2014/main" id="{56DDCB9D-5C63-884B-8FA2-2A25950BE9B4}"/>
-              </a:ext>
-            </a:extLst>
-          </p:cNvPr>
-          <p:cNvSpPr txBox="1"/>
-          <p:nvPr/>
-        </p:nvSpPr>
-        <p:spPr>
-          <a:xfrm>
-            <a:off x="5875495" y="1466858"/>
-            <a:ext cx="968535" cy="369332"/>
-          </a:xfrm>
-          <a:prstGeom prst="rect">
-            <a:avLst/>
-          </a:prstGeom>
-          <a:noFill/>
-        </p:spPr>
-        <p:txBody>
-          <a:bodyPr wrap="none" rtlCol="0">
-            <a:spAutoFit/>
-          </a:bodyPr>
-          <a:lstStyle/>
-          <a:p>
-            <a:r>
-              <a:rPr lang="en-US" dirty="0"/>
-              <a:t>Baseline</a:t>
-            </a:r>
-          </a:p>
-        </p:txBody>
-      </p:sp>
-      <p:sp>
-        <p:nvSpPr>
-          <p:cNvPr id="99" name="TextBox 98">
-            <a:extLst>
-              <a:ext uri="{FF2B5EF4-FFF2-40B4-BE49-F238E27FC236}">
-                <a16:creationId xmlns:a16="http://schemas.microsoft.com/office/drawing/2014/main" id="{8C1C7D81-D375-684E-B677-BF842660FA7E}"/>
-              </a:ext>
-            </a:extLst>
-          </p:cNvPr>
-          <p:cNvSpPr txBox="1"/>
-          <p:nvPr/>
-        </p:nvSpPr>
-        <p:spPr>
-          <a:xfrm>
-            <a:off x="8260132" y="1466858"/>
-            <a:ext cx="968535" cy="369332"/>
-          </a:xfrm>
-          <a:prstGeom prst="rect">
-            <a:avLst/>
-          </a:prstGeom>
-          <a:noFill/>
-        </p:spPr>
-        <p:txBody>
-          <a:bodyPr wrap="none" rtlCol="0">
-            <a:spAutoFit/>
-          </a:bodyPr>
-          <a:lstStyle/>
-          <a:p>
-            <a:r>
-              <a:rPr lang="en-US" dirty="0"/>
-              <a:t>Baseline</a:t>
+              <a:t>Live</a:t>
             </a:r>
           </a:p>
         </p:txBody>
@@ -6447,6 +6377,76 @@
           </a:fontRef>
         </p:style>
       </p:cxnSp>
+      <p:sp>
+        <p:nvSpPr>
+          <p:cNvPr id="61" name="TextBox 60">
+            <a:extLst>
+              <a:ext uri="{FF2B5EF4-FFF2-40B4-BE49-F238E27FC236}">
+                <a16:creationId xmlns:a16="http://schemas.microsoft.com/office/drawing/2014/main" id="{C5CAB479-325D-4846-AD46-B9253CF0915D}"/>
+              </a:ext>
+            </a:extLst>
+          </p:cNvPr>
+          <p:cNvSpPr txBox="1"/>
+          <p:nvPr/>
+        </p:nvSpPr>
+        <p:spPr>
+          <a:xfrm>
+            <a:off x="6152969" y="1451511"/>
+            <a:ext cx="552715" cy="369332"/>
+          </a:xfrm>
+          <a:prstGeom prst="rect">
+            <a:avLst/>
+          </a:prstGeom>
+          <a:noFill/>
+        </p:spPr>
+        <p:txBody>
+          <a:bodyPr wrap="none" rtlCol="0">
+            <a:spAutoFit/>
+          </a:bodyPr>
+          <a:lstStyle/>
+          <a:p>
+            <a:r>
+              <a:rPr lang="en-US" dirty="0"/>
+              <a:t>Live</a:t>
+            </a:r>
+          </a:p>
+        </p:txBody>
+      </p:sp>
+      <p:sp>
+        <p:nvSpPr>
+          <p:cNvPr id="67" name="TextBox 66">
+            <a:extLst>
+              <a:ext uri="{FF2B5EF4-FFF2-40B4-BE49-F238E27FC236}">
+                <a16:creationId xmlns:a16="http://schemas.microsoft.com/office/drawing/2014/main" id="{AC14A103-6B4D-1443-81AE-0F2064F4DE04}"/>
+              </a:ext>
+            </a:extLst>
+          </p:cNvPr>
+          <p:cNvSpPr txBox="1"/>
+          <p:nvPr/>
+        </p:nvSpPr>
+        <p:spPr>
+          <a:xfrm>
+            <a:off x="8389292" y="1459592"/>
+            <a:ext cx="552715" cy="369332"/>
+          </a:xfrm>
+          <a:prstGeom prst="rect">
+            <a:avLst/>
+          </a:prstGeom>
+          <a:noFill/>
+        </p:spPr>
+        <p:txBody>
+          <a:bodyPr wrap="none" rtlCol="0">
+            <a:spAutoFit/>
+          </a:bodyPr>
+          <a:lstStyle/>
+          <a:p>
+            <a:r>
+              <a:rPr lang="en-US" dirty="0"/>
+              <a:t>Live</a:t>
+            </a:r>
+          </a:p>
+        </p:txBody>
+      </p:sp>
     </p:spTree>
     <p:extLst>
       <p:ext uri="{BB962C8B-B14F-4D97-AF65-F5344CB8AC3E}">
